--- a/Element Sgnlog Sorting.pptx
+++ b/Element Sgnlog Sorting.pptx
@@ -104,6 +104,11 @@
       </a:defRPr>
     </a:lvl9pPr>
   </p:defaultTextStyle>
+  <p:extLst>
+    <p:ext uri="{EFAFB233-063F-42B5-8137-9DF3F51BA10A}">
+      <p15:sldGuideLst xmlns:p15="http://schemas.microsoft.com/office/powerpoint/2012/main"/>
+    </p:ext>
+  </p:extLst>
 </p:presentation>
 </file>
 
@@ -1767,7 +1772,7 @@
           <a:p>
             <a:fld id="{FA0FAF63-0374-D940-9979-4E673C2EA39D}" type="datetimeFigureOut">
               <a:rPr lang="en-US" smtClean="0"/>
-              <a:t>6/3/23</a:t>
+              <a:t>8/17/23</a:t>
             </a:fld>
             <a:endParaRPr lang="en-US"/>
           </a:p>
@@ -1965,7 +1970,7 @@
           <a:p>
             <a:fld id="{FA0FAF63-0374-D940-9979-4E673C2EA39D}" type="datetimeFigureOut">
               <a:rPr lang="en-US" smtClean="0"/>
-              <a:t>6/3/23</a:t>
+              <a:t>8/17/23</a:t>
             </a:fld>
             <a:endParaRPr lang="en-US"/>
           </a:p>
@@ -2173,7 +2178,7 @@
           <a:p>
             <a:fld id="{FA0FAF63-0374-D940-9979-4E673C2EA39D}" type="datetimeFigureOut">
               <a:rPr lang="en-US" smtClean="0"/>
-              <a:t>6/3/23</a:t>
+              <a:t>8/17/23</a:t>
             </a:fld>
             <a:endParaRPr lang="en-US"/>
           </a:p>
@@ -2371,7 +2376,7 @@
           <a:p>
             <a:fld id="{FA0FAF63-0374-D940-9979-4E673C2EA39D}" type="datetimeFigureOut">
               <a:rPr lang="en-US" smtClean="0"/>
-              <a:t>6/3/23</a:t>
+              <a:t>8/17/23</a:t>
             </a:fld>
             <a:endParaRPr lang="en-US"/>
           </a:p>
@@ -2646,7 +2651,7 @@
           <a:p>
             <a:fld id="{FA0FAF63-0374-D940-9979-4E673C2EA39D}" type="datetimeFigureOut">
               <a:rPr lang="en-US" smtClean="0"/>
-              <a:t>6/3/23</a:t>
+              <a:t>8/17/23</a:t>
             </a:fld>
             <a:endParaRPr lang="en-US"/>
           </a:p>
@@ -2911,7 +2916,7 @@
           <a:p>
             <a:fld id="{FA0FAF63-0374-D940-9979-4E673C2EA39D}" type="datetimeFigureOut">
               <a:rPr lang="en-US" smtClean="0"/>
-              <a:t>6/3/23</a:t>
+              <a:t>8/17/23</a:t>
             </a:fld>
             <a:endParaRPr lang="en-US"/>
           </a:p>
@@ -3323,7 +3328,7 @@
           <a:p>
             <a:fld id="{FA0FAF63-0374-D940-9979-4E673C2EA39D}" type="datetimeFigureOut">
               <a:rPr lang="en-US" smtClean="0"/>
-              <a:t>6/3/23</a:t>
+              <a:t>8/17/23</a:t>
             </a:fld>
             <a:endParaRPr lang="en-US"/>
           </a:p>
@@ -3464,7 +3469,7 @@
           <a:p>
             <a:fld id="{FA0FAF63-0374-D940-9979-4E673C2EA39D}" type="datetimeFigureOut">
               <a:rPr lang="en-US" smtClean="0"/>
-              <a:t>6/3/23</a:t>
+              <a:t>8/17/23</a:t>
             </a:fld>
             <a:endParaRPr lang="en-US"/>
           </a:p>
@@ -3577,7 +3582,7 @@
           <a:p>
             <a:fld id="{FA0FAF63-0374-D940-9979-4E673C2EA39D}" type="datetimeFigureOut">
               <a:rPr lang="en-US" smtClean="0"/>
-              <a:t>6/3/23</a:t>
+              <a:t>8/17/23</a:t>
             </a:fld>
             <a:endParaRPr lang="en-US"/>
           </a:p>
@@ -3888,7 +3893,7 @@
           <a:p>
             <a:fld id="{FA0FAF63-0374-D940-9979-4E673C2EA39D}" type="datetimeFigureOut">
               <a:rPr lang="en-US" smtClean="0"/>
-              <a:t>6/3/23</a:t>
+              <a:t>8/17/23</a:t>
             </a:fld>
             <a:endParaRPr lang="en-US"/>
           </a:p>
@@ -4176,7 +4181,7 @@
           <a:p>
             <a:fld id="{FA0FAF63-0374-D940-9979-4E673C2EA39D}" type="datetimeFigureOut">
               <a:rPr lang="en-US" smtClean="0"/>
-              <a:t>6/3/23</a:t>
+              <a:t>8/17/23</a:t>
             </a:fld>
             <a:endParaRPr lang="en-US"/>
           </a:p>
@@ -4417,7 +4422,7 @@
           <a:p>
             <a:fld id="{FA0FAF63-0374-D940-9979-4E673C2EA39D}" type="datetimeFigureOut">
               <a:rPr lang="en-US" smtClean="0"/>
-              <a:t>6/3/23</a:t>
+              <a:t>8/17/23</a:t>
             </a:fld>
             <a:endParaRPr lang="en-US"/>
           </a:p>
@@ -5966,7 +5971,7 @@
         </p:blipFill>
         <p:spPr>
           <a:xfrm>
-            <a:off x="5191166" y="2030065"/>
+            <a:off x="22369990" y="2038368"/>
             <a:ext cx="2454876" cy="1750236"/>
           </a:xfrm>
           <a:prstGeom prst="rect">
@@ -7406,7 +7411,7 @@
         </p:blipFill>
         <p:spPr>
           <a:xfrm>
-            <a:off x="5189839" y="284206"/>
+            <a:off x="22368663" y="292509"/>
             <a:ext cx="2454876" cy="1750236"/>
           </a:xfrm>
           <a:prstGeom prst="rect">
@@ -7494,8 +7499,8 @@
             <a:chExt cx="537840" cy="625320"/>
           </a:xfrm>
         </p:grpSpPr>
-        <mc:AlternateContent xmlns:mc="http://schemas.openxmlformats.org/markup-compatibility/2006">
-          <mc:Choice xmlns:p14="http://schemas.microsoft.com/office/powerpoint/2010/main" Requires="p14">
+        <mc:AlternateContent xmlns:mc="http://schemas.openxmlformats.org/markup-compatibility/2006" xmlns:p14="http://schemas.microsoft.com/office/powerpoint/2010/main">
+          <mc:Choice Requires="p14">
             <p:contentPart p14:bwMode="auto" r:id="rId90">
               <p14:nvContentPartPr>
                 <p14:cNvPr id="182" name="Ink 181">
@@ -7514,7 +7519,7 @@
               </p14:xfrm>
             </p:contentPart>
           </mc:Choice>
-          <mc:Fallback>
+          <mc:Fallback xmlns="">
             <p:pic>
               <p:nvPicPr>
                 <p:cNvPr id="182" name="Ink 181">
@@ -7545,8 +7550,8 @@
             </p:pic>
           </mc:Fallback>
         </mc:AlternateContent>
-        <mc:AlternateContent xmlns:mc="http://schemas.openxmlformats.org/markup-compatibility/2006">
-          <mc:Choice xmlns:p14="http://schemas.microsoft.com/office/powerpoint/2010/main" Requires="p14">
+        <mc:AlternateContent xmlns:mc="http://schemas.openxmlformats.org/markup-compatibility/2006" xmlns:p14="http://schemas.microsoft.com/office/powerpoint/2010/main">
+          <mc:Choice Requires="p14">
             <p:contentPart p14:bwMode="auto" r:id="rId92">
               <p14:nvContentPartPr>
                 <p14:cNvPr id="183" name="Ink 182">
@@ -7565,7 +7570,7 @@
               </p14:xfrm>
             </p:contentPart>
           </mc:Choice>
-          <mc:Fallback>
+          <mc:Fallback xmlns="">
             <p:pic>
               <p:nvPicPr>
                 <p:cNvPr id="183" name="Ink 182">
@@ -7596,8 +7601,8 @@
             </p:pic>
           </mc:Fallback>
         </mc:AlternateContent>
-        <mc:AlternateContent xmlns:mc="http://schemas.openxmlformats.org/markup-compatibility/2006">
-          <mc:Choice xmlns:p14="http://schemas.microsoft.com/office/powerpoint/2010/main" Requires="p14">
+        <mc:AlternateContent xmlns:mc="http://schemas.openxmlformats.org/markup-compatibility/2006" xmlns:p14="http://schemas.microsoft.com/office/powerpoint/2010/main">
+          <mc:Choice Requires="p14">
             <p:contentPart p14:bwMode="auto" r:id="rId94">
               <p14:nvContentPartPr>
                 <p14:cNvPr id="185" name="Ink 184">
@@ -7616,7 +7621,7 @@
               </p14:xfrm>
             </p:contentPart>
           </mc:Choice>
-          <mc:Fallback>
+          <mc:Fallback xmlns="">
             <p:pic>
               <p:nvPicPr>
                 <p:cNvPr id="185" name="Ink 184">
@@ -7668,8 +7673,8 @@
             <a:chExt cx="666000" cy="610560"/>
           </a:xfrm>
         </p:grpSpPr>
-        <mc:AlternateContent xmlns:mc="http://schemas.openxmlformats.org/markup-compatibility/2006">
-          <mc:Choice xmlns:p14="http://schemas.microsoft.com/office/powerpoint/2010/main" Requires="p14">
+        <mc:AlternateContent xmlns:mc="http://schemas.openxmlformats.org/markup-compatibility/2006" xmlns:p14="http://schemas.microsoft.com/office/powerpoint/2010/main">
+          <mc:Choice Requires="p14">
             <p:contentPart p14:bwMode="auto" r:id="rId96">
               <p14:nvContentPartPr>
                 <p14:cNvPr id="187" name="Ink 186">
@@ -7688,7 +7693,7 @@
               </p14:xfrm>
             </p:contentPart>
           </mc:Choice>
-          <mc:Fallback>
+          <mc:Fallback xmlns="">
             <p:pic>
               <p:nvPicPr>
                 <p:cNvPr id="187" name="Ink 186">
@@ -7719,8 +7724,8 @@
             </p:pic>
           </mc:Fallback>
         </mc:AlternateContent>
-        <mc:AlternateContent xmlns:mc="http://schemas.openxmlformats.org/markup-compatibility/2006">
-          <mc:Choice xmlns:p14="http://schemas.microsoft.com/office/powerpoint/2010/main" Requires="p14">
+        <mc:AlternateContent xmlns:mc="http://schemas.openxmlformats.org/markup-compatibility/2006" xmlns:p14="http://schemas.microsoft.com/office/powerpoint/2010/main">
+          <mc:Choice Requires="p14">
             <p:contentPart p14:bwMode="auto" r:id="rId98">
               <p14:nvContentPartPr>
                 <p14:cNvPr id="188" name="Ink 187">
@@ -7739,7 +7744,7 @@
               </p14:xfrm>
             </p:contentPart>
           </mc:Choice>
-          <mc:Fallback>
+          <mc:Fallback xmlns="">
             <p:pic>
               <p:nvPicPr>
                 <p:cNvPr id="188" name="Ink 187">
@@ -7770,8 +7775,8 @@
             </p:pic>
           </mc:Fallback>
         </mc:AlternateContent>
-        <mc:AlternateContent xmlns:mc="http://schemas.openxmlformats.org/markup-compatibility/2006">
-          <mc:Choice xmlns:p14="http://schemas.microsoft.com/office/powerpoint/2010/main" Requires="p14">
+        <mc:AlternateContent xmlns:mc="http://schemas.openxmlformats.org/markup-compatibility/2006" xmlns:p14="http://schemas.microsoft.com/office/powerpoint/2010/main">
+          <mc:Choice Requires="p14">
             <p:contentPart p14:bwMode="auto" r:id="rId100">
               <p14:nvContentPartPr>
                 <p14:cNvPr id="190" name="Ink 189">
@@ -7790,7 +7795,7 @@
               </p14:xfrm>
             </p:contentPart>
           </mc:Choice>
-          <mc:Fallback>
+          <mc:Fallback xmlns="">
             <p:pic>
               <p:nvPicPr>
                 <p:cNvPr id="190" name="Ink 189">
@@ -7842,8 +7847,8 @@
             <a:chExt cx="321120" cy="471240"/>
           </a:xfrm>
         </p:grpSpPr>
-        <mc:AlternateContent xmlns:mc="http://schemas.openxmlformats.org/markup-compatibility/2006">
-          <mc:Choice xmlns:p14="http://schemas.microsoft.com/office/powerpoint/2010/main" Requires="p14">
+        <mc:AlternateContent xmlns:mc="http://schemas.openxmlformats.org/markup-compatibility/2006" xmlns:p14="http://schemas.microsoft.com/office/powerpoint/2010/main">
+          <mc:Choice Requires="p14">
             <p:contentPart p14:bwMode="auto" r:id="rId102">
               <p14:nvContentPartPr>
                 <p14:cNvPr id="192" name="Ink 191">
@@ -7862,7 +7867,7 @@
               </p14:xfrm>
             </p:contentPart>
           </mc:Choice>
-          <mc:Fallback>
+          <mc:Fallback xmlns="">
             <p:pic>
               <p:nvPicPr>
                 <p:cNvPr id="192" name="Ink 191">
@@ -7893,8 +7898,8 @@
             </p:pic>
           </mc:Fallback>
         </mc:AlternateContent>
-        <mc:AlternateContent xmlns:mc="http://schemas.openxmlformats.org/markup-compatibility/2006">
-          <mc:Choice xmlns:p14="http://schemas.microsoft.com/office/powerpoint/2010/main" Requires="p14">
+        <mc:AlternateContent xmlns:mc="http://schemas.openxmlformats.org/markup-compatibility/2006" xmlns:p14="http://schemas.microsoft.com/office/powerpoint/2010/main">
+          <mc:Choice Requires="p14">
             <p:contentPart p14:bwMode="auto" r:id="rId104">
               <p14:nvContentPartPr>
                 <p14:cNvPr id="193" name="Ink 192">
@@ -7913,7 +7918,7 @@
               </p14:xfrm>
             </p:contentPart>
           </mc:Choice>
-          <mc:Fallback>
+          <mc:Fallback xmlns="">
             <p:pic>
               <p:nvPicPr>
                 <p:cNvPr id="193" name="Ink 192">
@@ -7944,8 +7949,8 @@
             </p:pic>
           </mc:Fallback>
         </mc:AlternateContent>
-        <mc:AlternateContent xmlns:mc="http://schemas.openxmlformats.org/markup-compatibility/2006">
-          <mc:Choice xmlns:p14="http://schemas.microsoft.com/office/powerpoint/2010/main" Requires="p14">
+        <mc:AlternateContent xmlns:mc="http://schemas.openxmlformats.org/markup-compatibility/2006" xmlns:p14="http://schemas.microsoft.com/office/powerpoint/2010/main">
+          <mc:Choice Requires="p14">
             <p:contentPart p14:bwMode="auto" r:id="rId106">
               <p14:nvContentPartPr>
                 <p14:cNvPr id="194" name="Ink 193">
@@ -7964,7 +7969,7 @@
               </p14:xfrm>
             </p:contentPart>
           </mc:Choice>
-          <mc:Fallback>
+          <mc:Fallback xmlns="">
             <p:pic>
               <p:nvPicPr>
                 <p:cNvPr id="194" name="Ink 193">
@@ -8016,8 +8021,8 @@
             <a:chExt cx="462600" cy="484560"/>
           </a:xfrm>
         </p:grpSpPr>
-        <mc:AlternateContent xmlns:mc="http://schemas.openxmlformats.org/markup-compatibility/2006">
-          <mc:Choice xmlns:p14="http://schemas.microsoft.com/office/powerpoint/2010/main" Requires="p14">
+        <mc:AlternateContent xmlns:mc="http://schemas.openxmlformats.org/markup-compatibility/2006" xmlns:p14="http://schemas.microsoft.com/office/powerpoint/2010/main">
+          <mc:Choice Requires="p14">
             <p:contentPart p14:bwMode="auto" r:id="rId108">
               <p14:nvContentPartPr>
                 <p14:cNvPr id="196" name="Ink 195">
@@ -8036,7 +8041,7 @@
               </p14:xfrm>
             </p:contentPart>
           </mc:Choice>
-          <mc:Fallback>
+          <mc:Fallback xmlns="">
             <p:pic>
               <p:nvPicPr>
                 <p:cNvPr id="196" name="Ink 195">
@@ -8067,8 +8072,8 @@
             </p:pic>
           </mc:Fallback>
         </mc:AlternateContent>
-        <mc:AlternateContent xmlns:mc="http://schemas.openxmlformats.org/markup-compatibility/2006">
-          <mc:Choice xmlns:p14="http://schemas.microsoft.com/office/powerpoint/2010/main" Requires="p14">
+        <mc:AlternateContent xmlns:mc="http://schemas.openxmlformats.org/markup-compatibility/2006" xmlns:p14="http://schemas.microsoft.com/office/powerpoint/2010/main">
+          <mc:Choice Requires="p14">
             <p:contentPart p14:bwMode="auto" r:id="rId110">
               <p14:nvContentPartPr>
                 <p14:cNvPr id="197" name="Ink 196">
@@ -8087,7 +8092,7 @@
               </p14:xfrm>
             </p:contentPart>
           </mc:Choice>
-          <mc:Fallback>
+          <mc:Fallback xmlns="">
             <p:pic>
               <p:nvPicPr>
                 <p:cNvPr id="197" name="Ink 196">
@@ -8118,8 +8123,8 @@
             </p:pic>
           </mc:Fallback>
         </mc:AlternateContent>
-        <mc:AlternateContent xmlns:mc="http://schemas.openxmlformats.org/markup-compatibility/2006">
-          <mc:Choice xmlns:p14="http://schemas.microsoft.com/office/powerpoint/2010/main" Requires="p14">
+        <mc:AlternateContent xmlns:mc="http://schemas.openxmlformats.org/markup-compatibility/2006" xmlns:p14="http://schemas.microsoft.com/office/powerpoint/2010/main">
+          <mc:Choice Requires="p14">
             <p:contentPart p14:bwMode="auto" r:id="rId112">
               <p14:nvContentPartPr>
                 <p14:cNvPr id="198" name="Ink 197">
@@ -8138,7 +8143,7 @@
               </p14:xfrm>
             </p:contentPart>
           </mc:Choice>
-          <mc:Fallback>
+          <mc:Fallback xmlns="">
             <p:pic>
               <p:nvPicPr>
                 <p:cNvPr id="198" name="Ink 197">
@@ -8190,8 +8195,8 @@
             <a:chExt cx="497160" cy="786960"/>
           </a:xfrm>
         </p:grpSpPr>
-        <mc:AlternateContent xmlns:mc="http://schemas.openxmlformats.org/markup-compatibility/2006">
-          <mc:Choice xmlns:p14="http://schemas.microsoft.com/office/powerpoint/2010/main" Requires="p14">
+        <mc:AlternateContent xmlns:mc="http://schemas.openxmlformats.org/markup-compatibility/2006" xmlns:p14="http://schemas.microsoft.com/office/powerpoint/2010/main">
+          <mc:Choice Requires="p14">
             <p:contentPart p14:bwMode="auto" r:id="rId114">
               <p14:nvContentPartPr>
                 <p14:cNvPr id="200" name="Ink 199">
@@ -8210,7 +8215,7 @@
               </p14:xfrm>
             </p:contentPart>
           </mc:Choice>
-          <mc:Fallback>
+          <mc:Fallback xmlns="">
             <p:pic>
               <p:nvPicPr>
                 <p:cNvPr id="200" name="Ink 199">
@@ -8241,8 +8246,8 @@
             </p:pic>
           </mc:Fallback>
         </mc:AlternateContent>
-        <mc:AlternateContent xmlns:mc="http://schemas.openxmlformats.org/markup-compatibility/2006">
-          <mc:Choice xmlns:p14="http://schemas.microsoft.com/office/powerpoint/2010/main" Requires="p14">
+        <mc:AlternateContent xmlns:mc="http://schemas.openxmlformats.org/markup-compatibility/2006" xmlns:p14="http://schemas.microsoft.com/office/powerpoint/2010/main">
+          <mc:Choice Requires="p14">
             <p:contentPart p14:bwMode="auto" r:id="rId116">
               <p14:nvContentPartPr>
                 <p14:cNvPr id="201" name="Ink 200">
@@ -8261,7 +8266,7 @@
               </p14:xfrm>
             </p:contentPart>
           </mc:Choice>
-          <mc:Fallback>
+          <mc:Fallback xmlns="">
             <p:pic>
               <p:nvPicPr>
                 <p:cNvPr id="201" name="Ink 200">
@@ -8292,8 +8297,8 @@
             </p:pic>
           </mc:Fallback>
         </mc:AlternateContent>
-        <mc:AlternateContent xmlns:mc="http://schemas.openxmlformats.org/markup-compatibility/2006">
-          <mc:Choice xmlns:p14="http://schemas.microsoft.com/office/powerpoint/2010/main" Requires="p14">
+        <mc:AlternateContent xmlns:mc="http://schemas.openxmlformats.org/markup-compatibility/2006" xmlns:p14="http://schemas.microsoft.com/office/powerpoint/2010/main">
+          <mc:Choice Requires="p14">
             <p:contentPart p14:bwMode="auto" r:id="rId118">
               <p14:nvContentPartPr>
                 <p14:cNvPr id="203" name="Ink 202">
@@ -8312,7 +8317,7 @@
               </p14:xfrm>
             </p:contentPart>
           </mc:Choice>
-          <mc:Fallback>
+          <mc:Fallback xmlns="">
             <p:pic>
               <p:nvPicPr>
                 <p:cNvPr id="203" name="Ink 202">
@@ -8344,8 +8349,8 @@
           </mc:Fallback>
         </mc:AlternateContent>
       </p:grpSp>
-      <mc:AlternateContent xmlns:mc="http://schemas.openxmlformats.org/markup-compatibility/2006">
-        <mc:Choice xmlns:p14="http://schemas.microsoft.com/office/powerpoint/2010/main" Requires="p14">
+      <mc:AlternateContent xmlns:mc="http://schemas.openxmlformats.org/markup-compatibility/2006" xmlns:p14="http://schemas.microsoft.com/office/powerpoint/2010/main">
+        <mc:Choice Requires="p14">
           <p:contentPart p14:bwMode="auto" r:id="rId120">
             <p14:nvContentPartPr>
               <p14:cNvPr id="205" name="Ink 204">
@@ -8364,7 +8369,7 @@
             </p14:xfrm>
           </p:contentPart>
         </mc:Choice>
-        <mc:Fallback>
+        <mc:Fallback xmlns="">
           <p:pic>
             <p:nvPicPr>
               <p:cNvPr id="205" name="Ink 204">
@@ -8415,8 +8420,8 @@
             <a:chExt cx="491040" cy="604440"/>
           </a:xfrm>
         </p:grpSpPr>
-        <mc:AlternateContent xmlns:mc="http://schemas.openxmlformats.org/markup-compatibility/2006">
-          <mc:Choice xmlns:p14="http://schemas.microsoft.com/office/powerpoint/2010/main" Requires="p14">
+        <mc:AlternateContent xmlns:mc="http://schemas.openxmlformats.org/markup-compatibility/2006" xmlns:p14="http://schemas.microsoft.com/office/powerpoint/2010/main">
+          <mc:Choice Requires="p14">
             <p:contentPart p14:bwMode="auto" r:id="rId122">
               <p14:nvContentPartPr>
                 <p14:cNvPr id="208" name="Ink 207">
@@ -8435,7 +8440,7 @@
               </p14:xfrm>
             </p:contentPart>
           </mc:Choice>
-          <mc:Fallback>
+          <mc:Fallback xmlns="">
             <p:pic>
               <p:nvPicPr>
                 <p:cNvPr id="208" name="Ink 207">
@@ -8466,8 +8471,8 @@
             </p:pic>
           </mc:Fallback>
         </mc:AlternateContent>
-        <mc:AlternateContent xmlns:mc="http://schemas.openxmlformats.org/markup-compatibility/2006">
-          <mc:Choice xmlns:p14="http://schemas.microsoft.com/office/powerpoint/2010/main" Requires="p14">
+        <mc:AlternateContent xmlns:mc="http://schemas.openxmlformats.org/markup-compatibility/2006" xmlns:p14="http://schemas.microsoft.com/office/powerpoint/2010/main">
+          <mc:Choice Requires="p14">
             <p:contentPart p14:bwMode="auto" r:id="rId124">
               <p14:nvContentPartPr>
                 <p14:cNvPr id="209" name="Ink 208">
@@ -8486,7 +8491,7 @@
               </p14:xfrm>
             </p:contentPart>
           </mc:Choice>
-          <mc:Fallback>
+          <mc:Fallback xmlns="">
             <p:pic>
               <p:nvPicPr>
                 <p:cNvPr id="209" name="Ink 208">
@@ -8517,8 +8522,8 @@
             </p:pic>
           </mc:Fallback>
         </mc:AlternateContent>
-        <mc:AlternateContent xmlns:mc="http://schemas.openxmlformats.org/markup-compatibility/2006">
-          <mc:Choice xmlns:p14="http://schemas.microsoft.com/office/powerpoint/2010/main" Requires="p14">
+        <mc:AlternateContent xmlns:mc="http://schemas.openxmlformats.org/markup-compatibility/2006" xmlns:p14="http://schemas.microsoft.com/office/powerpoint/2010/main">
+          <mc:Choice Requires="p14">
             <p:contentPart p14:bwMode="auto" r:id="rId126">
               <p14:nvContentPartPr>
                 <p14:cNvPr id="211" name="Ink 210">
@@ -8537,7 +8542,7 @@
               </p14:xfrm>
             </p:contentPart>
           </mc:Choice>
-          <mc:Fallback>
+          <mc:Fallback xmlns="">
             <p:pic>
               <p:nvPicPr>
                 <p:cNvPr id="211" name="Ink 210">
@@ -8569,8 +8574,8 @@
           </mc:Fallback>
         </mc:AlternateContent>
       </p:grpSp>
-      <mc:AlternateContent xmlns:mc="http://schemas.openxmlformats.org/markup-compatibility/2006">
-        <mc:Choice xmlns:p14="http://schemas.microsoft.com/office/powerpoint/2010/main" Requires="p14">
+      <mc:AlternateContent xmlns:mc="http://schemas.openxmlformats.org/markup-compatibility/2006" xmlns:p14="http://schemas.microsoft.com/office/powerpoint/2010/main">
+        <mc:Choice Requires="p14">
           <p:contentPart p14:bwMode="auto" r:id="rId128">
             <p14:nvContentPartPr>
               <p14:cNvPr id="213" name="Ink 212">
@@ -8589,7 +8594,7 @@
             </p14:xfrm>
           </p:contentPart>
         </mc:Choice>
-        <mc:Fallback>
+        <mc:Fallback xmlns="">
           <p:pic>
             <p:nvPicPr>
               <p:cNvPr id="213" name="Ink 212">
@@ -8620,8 +8625,8 @@
           </p:pic>
         </mc:Fallback>
       </mc:AlternateContent>
-      <mc:AlternateContent xmlns:mc="http://schemas.openxmlformats.org/markup-compatibility/2006">
-        <mc:Choice xmlns:p14="http://schemas.microsoft.com/office/powerpoint/2010/main" Requires="p14">
+      <mc:AlternateContent xmlns:mc="http://schemas.openxmlformats.org/markup-compatibility/2006" xmlns:p14="http://schemas.microsoft.com/office/powerpoint/2010/main">
+        <mc:Choice Requires="p14">
           <p:contentPart p14:bwMode="auto" r:id="rId130">
             <p14:nvContentPartPr>
               <p14:cNvPr id="214" name="Ink 213">
@@ -8640,7 +8645,7 @@
             </p14:xfrm>
           </p:contentPart>
         </mc:Choice>
-        <mc:Fallback>
+        <mc:Fallback xmlns="">
           <p:pic>
             <p:nvPicPr>
               <p:cNvPr id="214" name="Ink 213">
@@ -8671,8 +8676,8 @@
           </p:pic>
         </mc:Fallback>
       </mc:AlternateContent>
-      <mc:AlternateContent xmlns:mc="http://schemas.openxmlformats.org/markup-compatibility/2006">
-        <mc:Choice xmlns:p14="http://schemas.microsoft.com/office/powerpoint/2010/main" Requires="p14">
+      <mc:AlternateContent xmlns:mc="http://schemas.openxmlformats.org/markup-compatibility/2006" xmlns:p14="http://schemas.microsoft.com/office/powerpoint/2010/main">
+        <mc:Choice Requires="p14">
           <p:contentPart p14:bwMode="auto" r:id="rId132">
             <p14:nvContentPartPr>
               <p14:cNvPr id="215" name="Ink 214">
@@ -8691,7 +8696,7 @@
             </p14:xfrm>
           </p:contentPart>
         </mc:Choice>
-        <mc:Fallback>
+        <mc:Fallback xmlns="">
           <p:pic>
             <p:nvPicPr>
               <p:cNvPr id="215" name="Ink 214">
@@ -8722,8 +8727,8 @@
           </p:pic>
         </mc:Fallback>
       </mc:AlternateContent>
-      <mc:AlternateContent xmlns:mc="http://schemas.openxmlformats.org/markup-compatibility/2006">
-        <mc:Choice xmlns:p14="http://schemas.microsoft.com/office/powerpoint/2010/main" Requires="p14">
+      <mc:AlternateContent xmlns:mc="http://schemas.openxmlformats.org/markup-compatibility/2006" xmlns:p14="http://schemas.microsoft.com/office/powerpoint/2010/main">
+        <mc:Choice Requires="p14">
           <p:contentPart p14:bwMode="auto" r:id="rId134">
             <p14:nvContentPartPr>
               <p14:cNvPr id="216" name="Ink 215">
@@ -8742,7 +8747,7 @@
             </p14:xfrm>
           </p:contentPart>
         </mc:Choice>
-        <mc:Fallback>
+        <mc:Fallback xmlns="">
           <p:pic>
             <p:nvPicPr>
               <p:cNvPr id="216" name="Ink 215">
@@ -8773,8 +8778,8 @@
           </p:pic>
         </mc:Fallback>
       </mc:AlternateContent>
-      <mc:AlternateContent xmlns:mc="http://schemas.openxmlformats.org/markup-compatibility/2006">
-        <mc:Choice xmlns:p14="http://schemas.microsoft.com/office/powerpoint/2010/main" Requires="p14">
+      <mc:AlternateContent xmlns:mc="http://schemas.openxmlformats.org/markup-compatibility/2006" xmlns:p14="http://schemas.microsoft.com/office/powerpoint/2010/main">
+        <mc:Choice Requires="p14">
           <p:contentPart p14:bwMode="auto" r:id="rId136">
             <p14:nvContentPartPr>
               <p14:cNvPr id="217" name="Ink 216">
@@ -8793,7 +8798,7 @@
             </p14:xfrm>
           </p:contentPart>
         </mc:Choice>
-        <mc:Fallback>
+        <mc:Fallback xmlns="">
           <p:pic>
             <p:nvPicPr>
               <p:cNvPr id="217" name="Ink 216">
@@ -8824,8 +8829,8 @@
           </p:pic>
         </mc:Fallback>
       </mc:AlternateContent>
-      <mc:AlternateContent xmlns:mc="http://schemas.openxmlformats.org/markup-compatibility/2006">
-        <mc:Choice xmlns:p14="http://schemas.microsoft.com/office/powerpoint/2010/main" Requires="p14">
+      <mc:AlternateContent xmlns:mc="http://schemas.openxmlformats.org/markup-compatibility/2006" xmlns:p14="http://schemas.microsoft.com/office/powerpoint/2010/main">
+        <mc:Choice Requires="p14">
           <p:contentPart p14:bwMode="auto" r:id="rId138">
             <p14:nvContentPartPr>
               <p14:cNvPr id="218" name="Ink 217">
@@ -8844,7 +8849,7 @@
             </p14:xfrm>
           </p:contentPart>
         </mc:Choice>
-        <mc:Fallback>
+        <mc:Fallback xmlns="">
           <p:pic>
             <p:nvPicPr>
               <p:cNvPr id="218" name="Ink 217">
@@ -8895,8 +8900,8 @@
             <a:chExt cx="777960" cy="947880"/>
           </a:xfrm>
         </p:grpSpPr>
-        <mc:AlternateContent xmlns:mc="http://schemas.openxmlformats.org/markup-compatibility/2006">
-          <mc:Choice xmlns:p14="http://schemas.microsoft.com/office/powerpoint/2010/main" Requires="p14">
+        <mc:AlternateContent xmlns:mc="http://schemas.openxmlformats.org/markup-compatibility/2006" xmlns:p14="http://schemas.microsoft.com/office/powerpoint/2010/main">
+          <mc:Choice Requires="p14">
             <p:contentPart p14:bwMode="auto" r:id="rId140">
               <p14:nvContentPartPr>
                 <p14:cNvPr id="220" name="Ink 219">
@@ -8915,7 +8920,7 @@
               </p14:xfrm>
             </p:contentPart>
           </mc:Choice>
-          <mc:Fallback>
+          <mc:Fallback xmlns="">
             <p:pic>
               <p:nvPicPr>
                 <p:cNvPr id="220" name="Ink 219">
@@ -8946,8 +8951,8 @@
             </p:pic>
           </mc:Fallback>
         </mc:AlternateContent>
-        <mc:AlternateContent xmlns:mc="http://schemas.openxmlformats.org/markup-compatibility/2006">
-          <mc:Choice xmlns:p14="http://schemas.microsoft.com/office/powerpoint/2010/main" Requires="p14">
+        <mc:AlternateContent xmlns:mc="http://schemas.openxmlformats.org/markup-compatibility/2006" xmlns:p14="http://schemas.microsoft.com/office/powerpoint/2010/main">
+          <mc:Choice Requires="p14">
             <p:contentPart p14:bwMode="auto" r:id="rId142">
               <p14:nvContentPartPr>
                 <p14:cNvPr id="221" name="Ink 220">
@@ -8966,7 +8971,7 @@
               </p14:xfrm>
             </p:contentPart>
           </mc:Choice>
-          <mc:Fallback>
+          <mc:Fallback xmlns="">
             <p:pic>
               <p:nvPicPr>
                 <p:cNvPr id="221" name="Ink 220">
@@ -8997,8 +9002,8 @@
             </p:pic>
           </mc:Fallback>
         </mc:AlternateContent>
-        <mc:AlternateContent xmlns:mc="http://schemas.openxmlformats.org/markup-compatibility/2006">
-          <mc:Choice xmlns:p14="http://schemas.microsoft.com/office/powerpoint/2010/main" Requires="p14">
+        <mc:AlternateContent xmlns:mc="http://schemas.openxmlformats.org/markup-compatibility/2006" xmlns:p14="http://schemas.microsoft.com/office/powerpoint/2010/main">
+          <mc:Choice Requires="p14">
             <p:contentPart p14:bwMode="auto" r:id="rId144">
               <p14:nvContentPartPr>
                 <p14:cNvPr id="222" name="Ink 221">
@@ -9017,7 +9022,7 @@
               </p14:xfrm>
             </p:contentPart>
           </mc:Choice>
-          <mc:Fallback>
+          <mc:Fallback xmlns="">
             <p:pic>
               <p:nvPicPr>
                 <p:cNvPr id="222" name="Ink 221">
@@ -9069,8 +9074,8 @@
             <a:chExt cx="493920" cy="653040"/>
           </a:xfrm>
         </p:grpSpPr>
-        <mc:AlternateContent xmlns:mc="http://schemas.openxmlformats.org/markup-compatibility/2006">
-          <mc:Choice xmlns:p14="http://schemas.microsoft.com/office/powerpoint/2010/main" Requires="p14">
+        <mc:AlternateContent xmlns:mc="http://schemas.openxmlformats.org/markup-compatibility/2006" xmlns:p14="http://schemas.microsoft.com/office/powerpoint/2010/main">
+          <mc:Choice Requires="p14">
             <p:contentPart p14:bwMode="auto" r:id="rId146">
               <p14:nvContentPartPr>
                 <p14:cNvPr id="224" name="Ink 223">
@@ -9089,7 +9094,7 @@
               </p14:xfrm>
             </p:contentPart>
           </mc:Choice>
-          <mc:Fallback>
+          <mc:Fallback xmlns="">
             <p:pic>
               <p:nvPicPr>
                 <p:cNvPr id="224" name="Ink 223">
@@ -9120,8 +9125,8 @@
             </p:pic>
           </mc:Fallback>
         </mc:AlternateContent>
-        <mc:AlternateContent xmlns:mc="http://schemas.openxmlformats.org/markup-compatibility/2006">
-          <mc:Choice xmlns:p14="http://schemas.microsoft.com/office/powerpoint/2010/main" Requires="p14">
+        <mc:AlternateContent xmlns:mc="http://schemas.openxmlformats.org/markup-compatibility/2006" xmlns:p14="http://schemas.microsoft.com/office/powerpoint/2010/main">
+          <mc:Choice Requires="p14">
             <p:contentPart p14:bwMode="auto" r:id="rId148">
               <p14:nvContentPartPr>
                 <p14:cNvPr id="225" name="Ink 224">
@@ -9140,7 +9145,7 @@
               </p14:xfrm>
             </p:contentPart>
           </mc:Choice>
-          <mc:Fallback>
+          <mc:Fallback xmlns="">
             <p:pic>
               <p:nvPicPr>
                 <p:cNvPr id="225" name="Ink 224">
@@ -9171,8 +9176,8 @@
             </p:pic>
           </mc:Fallback>
         </mc:AlternateContent>
-        <mc:AlternateContent xmlns:mc="http://schemas.openxmlformats.org/markup-compatibility/2006">
-          <mc:Choice xmlns:p14="http://schemas.microsoft.com/office/powerpoint/2010/main" Requires="p14">
+        <mc:AlternateContent xmlns:mc="http://schemas.openxmlformats.org/markup-compatibility/2006" xmlns:p14="http://schemas.microsoft.com/office/powerpoint/2010/main">
+          <mc:Choice Requires="p14">
             <p:contentPart p14:bwMode="auto" r:id="rId150">
               <p14:nvContentPartPr>
                 <p14:cNvPr id="226" name="Ink 225">
@@ -9191,7 +9196,7 @@
               </p14:xfrm>
             </p:contentPart>
           </mc:Choice>
-          <mc:Fallback>
+          <mc:Fallback xmlns="">
             <p:pic>
               <p:nvPicPr>
                 <p:cNvPr id="226" name="Ink 225">
@@ -9223,8 +9228,8 @@
           </mc:Fallback>
         </mc:AlternateContent>
       </p:grpSp>
-      <mc:AlternateContent xmlns:mc="http://schemas.openxmlformats.org/markup-compatibility/2006">
-        <mc:Choice xmlns:p14="http://schemas.microsoft.com/office/powerpoint/2010/main" Requires="p14">
+      <mc:AlternateContent xmlns:mc="http://schemas.openxmlformats.org/markup-compatibility/2006" xmlns:p14="http://schemas.microsoft.com/office/powerpoint/2010/main">
+        <mc:Choice Requires="p14">
           <p:contentPart p14:bwMode="auto" r:id="rId152">
             <p14:nvContentPartPr>
               <p14:cNvPr id="228" name="Ink 227">
@@ -9243,7 +9248,7 @@
             </p14:xfrm>
           </p:contentPart>
         </mc:Choice>
-        <mc:Fallback>
+        <mc:Fallback xmlns="">
           <p:pic>
             <p:nvPicPr>
               <p:cNvPr id="228" name="Ink 227">
@@ -9294,8 +9299,8 @@
             <a:chExt cx="605880" cy="317880"/>
           </a:xfrm>
         </p:grpSpPr>
-        <mc:AlternateContent xmlns:mc="http://schemas.openxmlformats.org/markup-compatibility/2006">
-          <mc:Choice xmlns:p14="http://schemas.microsoft.com/office/powerpoint/2010/main" Requires="p14">
+        <mc:AlternateContent xmlns:mc="http://schemas.openxmlformats.org/markup-compatibility/2006" xmlns:p14="http://schemas.microsoft.com/office/powerpoint/2010/main">
+          <mc:Choice Requires="p14">
             <p:contentPart p14:bwMode="auto" r:id="rId154">
               <p14:nvContentPartPr>
                 <p14:cNvPr id="232" name="Ink 231">
@@ -9314,7 +9319,7 @@
               </p14:xfrm>
             </p:contentPart>
           </mc:Choice>
-          <mc:Fallback>
+          <mc:Fallback xmlns="">
             <p:pic>
               <p:nvPicPr>
                 <p:cNvPr id="232" name="Ink 231">
@@ -9345,8 +9350,8 @@
             </p:pic>
           </mc:Fallback>
         </mc:AlternateContent>
-        <mc:AlternateContent xmlns:mc="http://schemas.openxmlformats.org/markup-compatibility/2006">
-          <mc:Choice xmlns:p14="http://schemas.microsoft.com/office/powerpoint/2010/main" Requires="p14">
+        <mc:AlternateContent xmlns:mc="http://schemas.openxmlformats.org/markup-compatibility/2006" xmlns:p14="http://schemas.microsoft.com/office/powerpoint/2010/main">
+          <mc:Choice Requires="p14">
             <p:contentPart p14:bwMode="auto" r:id="rId156">
               <p14:nvContentPartPr>
                 <p14:cNvPr id="233" name="Ink 232">
@@ -9365,7 +9370,7 @@
               </p14:xfrm>
             </p:contentPart>
           </mc:Choice>
-          <mc:Fallback>
+          <mc:Fallback xmlns="">
             <p:pic>
               <p:nvPicPr>
                 <p:cNvPr id="233" name="Ink 232">
@@ -9417,8 +9422,8 @@
             <a:chExt cx="769320" cy="750600"/>
           </a:xfrm>
         </p:grpSpPr>
-        <mc:AlternateContent xmlns:mc="http://schemas.openxmlformats.org/markup-compatibility/2006">
-          <mc:Choice xmlns:p14="http://schemas.microsoft.com/office/powerpoint/2010/main" Requires="p14">
+        <mc:AlternateContent xmlns:mc="http://schemas.openxmlformats.org/markup-compatibility/2006" xmlns:p14="http://schemas.microsoft.com/office/powerpoint/2010/main">
+          <mc:Choice Requires="p14">
             <p:contentPart p14:bwMode="auto" r:id="rId158">
               <p14:nvContentPartPr>
                 <p14:cNvPr id="235" name="Ink 234">
@@ -9437,7 +9442,7 @@
               </p14:xfrm>
             </p:contentPart>
           </mc:Choice>
-          <mc:Fallback>
+          <mc:Fallback xmlns="">
             <p:pic>
               <p:nvPicPr>
                 <p:cNvPr id="235" name="Ink 234">
@@ -9468,8 +9473,8 @@
             </p:pic>
           </mc:Fallback>
         </mc:AlternateContent>
-        <mc:AlternateContent xmlns:mc="http://schemas.openxmlformats.org/markup-compatibility/2006">
-          <mc:Choice xmlns:p14="http://schemas.microsoft.com/office/powerpoint/2010/main" Requires="p14">
+        <mc:AlternateContent xmlns:mc="http://schemas.openxmlformats.org/markup-compatibility/2006" xmlns:p14="http://schemas.microsoft.com/office/powerpoint/2010/main">
+          <mc:Choice Requires="p14">
             <p:contentPart p14:bwMode="auto" r:id="rId160">
               <p14:nvContentPartPr>
                 <p14:cNvPr id="236" name="Ink 235">
@@ -9488,7 +9493,7 @@
               </p14:xfrm>
             </p:contentPart>
           </mc:Choice>
-          <mc:Fallback>
+          <mc:Fallback xmlns="">
             <p:pic>
               <p:nvPicPr>
                 <p:cNvPr id="236" name="Ink 235">
@@ -9519,8 +9524,8 @@
             </p:pic>
           </mc:Fallback>
         </mc:AlternateContent>
-        <mc:AlternateContent xmlns:mc="http://schemas.openxmlformats.org/markup-compatibility/2006">
-          <mc:Choice xmlns:p14="http://schemas.microsoft.com/office/powerpoint/2010/main" Requires="p14">
+        <mc:AlternateContent xmlns:mc="http://schemas.openxmlformats.org/markup-compatibility/2006" xmlns:p14="http://schemas.microsoft.com/office/powerpoint/2010/main">
+          <mc:Choice Requires="p14">
             <p:contentPart p14:bwMode="auto" r:id="rId162">
               <p14:nvContentPartPr>
                 <p14:cNvPr id="237" name="Ink 236">
@@ -9539,7 +9544,7 @@
               </p14:xfrm>
             </p:contentPart>
           </mc:Choice>
-          <mc:Fallback>
+          <mc:Fallback xmlns="">
             <p:pic>
               <p:nvPicPr>
                 <p:cNvPr id="237" name="Ink 236">
@@ -9591,8 +9596,8 @@
             <a:chExt cx="593280" cy="763920"/>
           </a:xfrm>
         </p:grpSpPr>
-        <mc:AlternateContent xmlns:mc="http://schemas.openxmlformats.org/markup-compatibility/2006">
-          <mc:Choice xmlns:p14="http://schemas.microsoft.com/office/powerpoint/2010/main" Requires="p14">
+        <mc:AlternateContent xmlns:mc="http://schemas.openxmlformats.org/markup-compatibility/2006" xmlns:p14="http://schemas.microsoft.com/office/powerpoint/2010/main">
+          <mc:Choice Requires="p14">
             <p:contentPart p14:bwMode="auto" r:id="rId164">
               <p14:nvContentPartPr>
                 <p14:cNvPr id="239" name="Ink 238">
@@ -9611,7 +9616,7 @@
               </p14:xfrm>
             </p:contentPart>
           </mc:Choice>
-          <mc:Fallback>
+          <mc:Fallback xmlns="">
             <p:pic>
               <p:nvPicPr>
                 <p:cNvPr id="239" name="Ink 238">
@@ -9642,8 +9647,8 @@
             </p:pic>
           </mc:Fallback>
         </mc:AlternateContent>
-        <mc:AlternateContent xmlns:mc="http://schemas.openxmlformats.org/markup-compatibility/2006">
-          <mc:Choice xmlns:p14="http://schemas.microsoft.com/office/powerpoint/2010/main" Requires="p14">
+        <mc:AlternateContent xmlns:mc="http://schemas.openxmlformats.org/markup-compatibility/2006" xmlns:p14="http://schemas.microsoft.com/office/powerpoint/2010/main">
+          <mc:Choice Requires="p14">
             <p:contentPart p14:bwMode="auto" r:id="rId166">
               <p14:nvContentPartPr>
                 <p14:cNvPr id="240" name="Ink 239">
@@ -9662,7 +9667,7 @@
               </p14:xfrm>
             </p:contentPart>
           </mc:Choice>
-          <mc:Fallback>
+          <mc:Fallback xmlns="">
             <p:pic>
               <p:nvPicPr>
                 <p:cNvPr id="240" name="Ink 239">
@@ -9693,8 +9698,8 @@
             </p:pic>
           </mc:Fallback>
         </mc:AlternateContent>
-        <mc:AlternateContent xmlns:mc="http://schemas.openxmlformats.org/markup-compatibility/2006">
-          <mc:Choice xmlns:p14="http://schemas.microsoft.com/office/powerpoint/2010/main" Requires="p14">
+        <mc:AlternateContent xmlns:mc="http://schemas.openxmlformats.org/markup-compatibility/2006" xmlns:p14="http://schemas.microsoft.com/office/powerpoint/2010/main">
+          <mc:Choice Requires="p14">
             <p:contentPart p14:bwMode="auto" r:id="rId168">
               <p14:nvContentPartPr>
                 <p14:cNvPr id="241" name="Ink 240">
@@ -9713,7 +9718,7 @@
               </p14:xfrm>
             </p:contentPart>
           </mc:Choice>
-          <mc:Fallback>
+          <mc:Fallback xmlns="">
             <p:pic>
               <p:nvPicPr>
                 <p:cNvPr id="241" name="Ink 240">
@@ -9765,8 +9770,8 @@
             <a:chExt cx="457200" cy="621720"/>
           </a:xfrm>
         </p:grpSpPr>
-        <mc:AlternateContent xmlns:mc="http://schemas.openxmlformats.org/markup-compatibility/2006">
-          <mc:Choice xmlns:p14="http://schemas.microsoft.com/office/powerpoint/2010/main" Requires="p14">
+        <mc:AlternateContent xmlns:mc="http://schemas.openxmlformats.org/markup-compatibility/2006" xmlns:p14="http://schemas.microsoft.com/office/powerpoint/2010/main">
+          <mc:Choice Requires="p14">
             <p:contentPart p14:bwMode="auto" r:id="rId170">
               <p14:nvContentPartPr>
                 <p14:cNvPr id="243" name="Ink 242">
@@ -9785,7 +9790,7 @@
               </p14:xfrm>
             </p:contentPart>
           </mc:Choice>
-          <mc:Fallback>
+          <mc:Fallback xmlns="">
             <p:pic>
               <p:nvPicPr>
                 <p:cNvPr id="243" name="Ink 242">
@@ -9816,8 +9821,8 @@
             </p:pic>
           </mc:Fallback>
         </mc:AlternateContent>
-        <mc:AlternateContent xmlns:mc="http://schemas.openxmlformats.org/markup-compatibility/2006">
-          <mc:Choice xmlns:p14="http://schemas.microsoft.com/office/powerpoint/2010/main" Requires="p14">
+        <mc:AlternateContent xmlns:mc="http://schemas.openxmlformats.org/markup-compatibility/2006" xmlns:p14="http://schemas.microsoft.com/office/powerpoint/2010/main">
+          <mc:Choice Requires="p14">
             <p:contentPart p14:bwMode="auto" r:id="rId172">
               <p14:nvContentPartPr>
                 <p14:cNvPr id="244" name="Ink 243">
@@ -9836,7 +9841,7 @@
               </p14:xfrm>
             </p:contentPart>
           </mc:Choice>
-          <mc:Fallback>
+          <mc:Fallback xmlns="">
             <p:pic>
               <p:nvPicPr>
                 <p:cNvPr id="244" name="Ink 243">
@@ -9867,8 +9872,8 @@
             </p:pic>
           </mc:Fallback>
         </mc:AlternateContent>
-        <mc:AlternateContent xmlns:mc="http://schemas.openxmlformats.org/markup-compatibility/2006">
-          <mc:Choice xmlns:p14="http://schemas.microsoft.com/office/powerpoint/2010/main" Requires="p14">
+        <mc:AlternateContent xmlns:mc="http://schemas.openxmlformats.org/markup-compatibility/2006" xmlns:p14="http://schemas.microsoft.com/office/powerpoint/2010/main">
+          <mc:Choice Requires="p14">
             <p:contentPart p14:bwMode="auto" r:id="rId174">
               <p14:nvContentPartPr>
                 <p14:cNvPr id="245" name="Ink 244">
@@ -9887,7 +9892,7 @@
               </p14:xfrm>
             </p:contentPart>
           </mc:Choice>
-          <mc:Fallback>
+          <mc:Fallback xmlns="">
             <p:pic>
               <p:nvPicPr>
                 <p:cNvPr id="245" name="Ink 244">
@@ -9919,8 +9924,8 @@
           </mc:Fallback>
         </mc:AlternateContent>
       </p:grpSp>
-      <mc:AlternateContent xmlns:mc="http://schemas.openxmlformats.org/markup-compatibility/2006">
-        <mc:Choice xmlns:p14="http://schemas.microsoft.com/office/powerpoint/2010/main" Requires="p14">
+      <mc:AlternateContent xmlns:mc="http://schemas.openxmlformats.org/markup-compatibility/2006" xmlns:p14="http://schemas.microsoft.com/office/powerpoint/2010/main">
+        <mc:Choice Requires="p14">
           <p:contentPart p14:bwMode="auto" r:id="rId176">
             <p14:nvContentPartPr>
               <p14:cNvPr id="247" name="Ink 246">
@@ -9939,7 +9944,7 @@
             </p14:xfrm>
           </p:contentPart>
         </mc:Choice>
-        <mc:Fallback>
+        <mc:Fallback xmlns="">
           <p:pic>
             <p:nvPicPr>
               <p:cNvPr id="247" name="Ink 246">
@@ -9990,8 +9995,8 @@
             <a:chExt cx="529200" cy="399960"/>
           </a:xfrm>
         </p:grpSpPr>
-        <mc:AlternateContent xmlns:mc="http://schemas.openxmlformats.org/markup-compatibility/2006">
-          <mc:Choice xmlns:p14="http://schemas.microsoft.com/office/powerpoint/2010/main" Requires="p14">
+        <mc:AlternateContent xmlns:mc="http://schemas.openxmlformats.org/markup-compatibility/2006" xmlns:p14="http://schemas.microsoft.com/office/powerpoint/2010/main">
+          <mc:Choice Requires="p14">
             <p:contentPart p14:bwMode="auto" r:id="rId178">
               <p14:nvContentPartPr>
                 <p14:cNvPr id="250" name="Ink 249">
@@ -10010,7 +10015,7 @@
               </p14:xfrm>
             </p:contentPart>
           </mc:Choice>
-          <mc:Fallback>
+          <mc:Fallback xmlns="">
             <p:pic>
               <p:nvPicPr>
                 <p:cNvPr id="250" name="Ink 249">
@@ -10041,8 +10046,8 @@
             </p:pic>
           </mc:Fallback>
         </mc:AlternateContent>
-        <mc:AlternateContent xmlns:mc="http://schemas.openxmlformats.org/markup-compatibility/2006">
-          <mc:Choice xmlns:p14="http://schemas.microsoft.com/office/powerpoint/2010/main" Requires="p14">
+        <mc:AlternateContent xmlns:mc="http://schemas.openxmlformats.org/markup-compatibility/2006" xmlns:p14="http://schemas.microsoft.com/office/powerpoint/2010/main">
+          <mc:Choice Requires="p14">
             <p:contentPart p14:bwMode="auto" r:id="rId180">
               <p14:nvContentPartPr>
                 <p14:cNvPr id="251" name="Ink 250">
@@ -10061,7 +10066,7 @@
               </p14:xfrm>
             </p:contentPart>
           </mc:Choice>
-          <mc:Fallback>
+          <mc:Fallback xmlns="">
             <p:pic>
               <p:nvPicPr>
                 <p:cNvPr id="251" name="Ink 250">
@@ -10113,8 +10118,8 @@
             <a:chExt cx="324360" cy="698400"/>
           </a:xfrm>
         </p:grpSpPr>
-        <mc:AlternateContent xmlns:mc="http://schemas.openxmlformats.org/markup-compatibility/2006">
-          <mc:Choice xmlns:p14="http://schemas.microsoft.com/office/powerpoint/2010/main" Requires="p14">
+        <mc:AlternateContent xmlns:mc="http://schemas.openxmlformats.org/markup-compatibility/2006" xmlns:p14="http://schemas.microsoft.com/office/powerpoint/2010/main">
+          <mc:Choice Requires="p14">
             <p:contentPart p14:bwMode="auto" r:id="rId182">
               <p14:nvContentPartPr>
                 <p14:cNvPr id="253" name="Ink 252">
@@ -10133,7 +10138,7 @@
               </p14:xfrm>
             </p:contentPart>
           </mc:Choice>
-          <mc:Fallback>
+          <mc:Fallback xmlns="">
             <p:pic>
               <p:nvPicPr>
                 <p:cNvPr id="253" name="Ink 252">
@@ -10164,8 +10169,8 @@
             </p:pic>
           </mc:Fallback>
         </mc:AlternateContent>
-        <mc:AlternateContent xmlns:mc="http://schemas.openxmlformats.org/markup-compatibility/2006">
-          <mc:Choice xmlns:p14="http://schemas.microsoft.com/office/powerpoint/2010/main" Requires="p14">
+        <mc:AlternateContent xmlns:mc="http://schemas.openxmlformats.org/markup-compatibility/2006" xmlns:p14="http://schemas.microsoft.com/office/powerpoint/2010/main">
+          <mc:Choice Requires="p14">
             <p:contentPart p14:bwMode="auto" r:id="rId184">
               <p14:nvContentPartPr>
                 <p14:cNvPr id="254" name="Ink 253">
@@ -10184,7 +10189,7 @@
               </p14:xfrm>
             </p:contentPart>
           </mc:Choice>
-          <mc:Fallback>
+          <mc:Fallback xmlns="">
             <p:pic>
               <p:nvPicPr>
                 <p:cNvPr id="254" name="Ink 253">
@@ -10215,8 +10220,8 @@
             </p:pic>
           </mc:Fallback>
         </mc:AlternateContent>
-        <mc:AlternateContent xmlns:mc="http://schemas.openxmlformats.org/markup-compatibility/2006">
-          <mc:Choice xmlns:p14="http://schemas.microsoft.com/office/powerpoint/2010/main" Requires="p14">
+        <mc:AlternateContent xmlns:mc="http://schemas.openxmlformats.org/markup-compatibility/2006" xmlns:p14="http://schemas.microsoft.com/office/powerpoint/2010/main">
+          <mc:Choice Requires="p14">
             <p:contentPart p14:bwMode="auto" r:id="rId186">
               <p14:nvContentPartPr>
                 <p14:cNvPr id="256" name="Ink 255">
@@ -10235,7 +10240,7 @@
               </p14:xfrm>
             </p:contentPart>
           </mc:Choice>
-          <mc:Fallback>
+          <mc:Fallback xmlns="">
             <p:pic>
               <p:nvPicPr>
                 <p:cNvPr id="256" name="Ink 255">
@@ -10287,8 +10292,8 @@
             <a:chExt cx="608760" cy="649440"/>
           </a:xfrm>
         </p:grpSpPr>
-        <mc:AlternateContent xmlns:mc="http://schemas.openxmlformats.org/markup-compatibility/2006">
-          <mc:Choice xmlns:p14="http://schemas.microsoft.com/office/powerpoint/2010/main" Requires="p14">
+        <mc:AlternateContent xmlns:mc="http://schemas.openxmlformats.org/markup-compatibility/2006" xmlns:p14="http://schemas.microsoft.com/office/powerpoint/2010/main">
+          <mc:Choice Requires="p14">
             <p:contentPart p14:bwMode="auto" r:id="rId188">
               <p14:nvContentPartPr>
                 <p14:cNvPr id="258" name="Ink 257">
@@ -10307,7 +10312,7 @@
               </p14:xfrm>
             </p:contentPart>
           </mc:Choice>
-          <mc:Fallback>
+          <mc:Fallback xmlns="">
             <p:pic>
               <p:nvPicPr>
                 <p:cNvPr id="258" name="Ink 257">
@@ -10338,8 +10343,8 @@
             </p:pic>
           </mc:Fallback>
         </mc:AlternateContent>
-        <mc:AlternateContent xmlns:mc="http://schemas.openxmlformats.org/markup-compatibility/2006">
-          <mc:Choice xmlns:p14="http://schemas.microsoft.com/office/powerpoint/2010/main" Requires="p14">
+        <mc:AlternateContent xmlns:mc="http://schemas.openxmlformats.org/markup-compatibility/2006" xmlns:p14="http://schemas.microsoft.com/office/powerpoint/2010/main">
+          <mc:Choice Requires="p14">
             <p:contentPart p14:bwMode="auto" r:id="rId190">
               <p14:nvContentPartPr>
                 <p14:cNvPr id="259" name="Ink 258">
@@ -10358,7 +10363,7 @@
               </p14:xfrm>
             </p:contentPart>
           </mc:Choice>
-          <mc:Fallback>
+          <mc:Fallback xmlns="">
             <p:pic>
               <p:nvPicPr>
                 <p:cNvPr id="259" name="Ink 258">
@@ -10389,8 +10394,8 @@
             </p:pic>
           </mc:Fallback>
         </mc:AlternateContent>
-        <mc:AlternateContent xmlns:mc="http://schemas.openxmlformats.org/markup-compatibility/2006">
-          <mc:Choice xmlns:p14="http://schemas.microsoft.com/office/powerpoint/2010/main" Requires="p14">
+        <mc:AlternateContent xmlns:mc="http://schemas.openxmlformats.org/markup-compatibility/2006" xmlns:p14="http://schemas.microsoft.com/office/powerpoint/2010/main">
+          <mc:Choice Requires="p14">
             <p:contentPart p14:bwMode="auto" r:id="rId192">
               <p14:nvContentPartPr>
                 <p14:cNvPr id="260" name="Ink 259">
@@ -10409,7 +10414,7 @@
               </p14:xfrm>
             </p:contentPart>
           </mc:Choice>
-          <mc:Fallback>
+          <mc:Fallback xmlns="">
             <p:pic>
               <p:nvPicPr>
                 <p:cNvPr id="260" name="Ink 259">
@@ -10461,8 +10466,8 @@
             <a:chExt cx="533160" cy="619200"/>
           </a:xfrm>
         </p:grpSpPr>
-        <mc:AlternateContent xmlns:mc="http://schemas.openxmlformats.org/markup-compatibility/2006">
-          <mc:Choice xmlns:p14="http://schemas.microsoft.com/office/powerpoint/2010/main" Requires="p14">
+        <mc:AlternateContent xmlns:mc="http://schemas.openxmlformats.org/markup-compatibility/2006" xmlns:p14="http://schemas.microsoft.com/office/powerpoint/2010/main">
+          <mc:Choice Requires="p14">
             <p:contentPart p14:bwMode="auto" r:id="rId194">
               <p14:nvContentPartPr>
                 <p14:cNvPr id="262" name="Ink 261">
@@ -10481,7 +10486,7 @@
               </p14:xfrm>
             </p:contentPart>
           </mc:Choice>
-          <mc:Fallback>
+          <mc:Fallback xmlns="">
             <p:pic>
               <p:nvPicPr>
                 <p:cNvPr id="262" name="Ink 261">
@@ -10512,8 +10517,8 @@
             </p:pic>
           </mc:Fallback>
         </mc:AlternateContent>
-        <mc:AlternateContent xmlns:mc="http://schemas.openxmlformats.org/markup-compatibility/2006">
-          <mc:Choice xmlns:p14="http://schemas.microsoft.com/office/powerpoint/2010/main" Requires="p14">
+        <mc:AlternateContent xmlns:mc="http://schemas.openxmlformats.org/markup-compatibility/2006" xmlns:p14="http://schemas.microsoft.com/office/powerpoint/2010/main">
+          <mc:Choice Requires="p14">
             <p:contentPart p14:bwMode="auto" r:id="rId196">
               <p14:nvContentPartPr>
                 <p14:cNvPr id="263" name="Ink 262">
@@ -10532,7 +10537,7 @@
               </p14:xfrm>
             </p:contentPart>
           </mc:Choice>
-          <mc:Fallback>
+          <mc:Fallback xmlns="">
             <p:pic>
               <p:nvPicPr>
                 <p:cNvPr id="263" name="Ink 262">
@@ -10563,8 +10568,8 @@
             </p:pic>
           </mc:Fallback>
         </mc:AlternateContent>
-        <mc:AlternateContent xmlns:mc="http://schemas.openxmlformats.org/markup-compatibility/2006">
-          <mc:Choice xmlns:p14="http://schemas.microsoft.com/office/powerpoint/2010/main" Requires="p14">
+        <mc:AlternateContent xmlns:mc="http://schemas.openxmlformats.org/markup-compatibility/2006" xmlns:p14="http://schemas.microsoft.com/office/powerpoint/2010/main">
+          <mc:Choice Requires="p14">
             <p:contentPart p14:bwMode="auto" r:id="rId198">
               <p14:nvContentPartPr>
                 <p14:cNvPr id="264" name="Ink 263">
@@ -10583,7 +10588,7 @@
               </p14:xfrm>
             </p:contentPart>
           </mc:Choice>
-          <mc:Fallback>
+          <mc:Fallback xmlns="">
             <p:pic>
               <p:nvPicPr>
                 <p:cNvPr id="264" name="Ink 263">
